--- a/20230325_Opening_Defense.pptx
+++ b/20230325_Opening_Defense.pptx
@@ -228,7 +228,7 @@
           <a:p>
             <a:fld id="{3D8696E4-E96D-4B3D-BECE-4E0846A49964}" type="datetimeFigureOut">
               <a:rPr lang="zh-CN" altLang="en-US" smtClean="0"/>
-              <a:t>2024/3/15</a:t>
+              <a:t>2024/3/22</a:t>
             </a:fld>
             <a:endParaRPr lang="zh-CN" altLang="en-US"/>
           </a:p>
@@ -1634,7 +1634,7 @@
           <a:p>
             <a:fld id="{E05F1550-273F-4C78-8324-1DB8623B4730}" type="datetimeFigureOut">
               <a:rPr lang="zh-CN" altLang="en-US" smtClean="0"/>
-              <a:t>2024/3/15</a:t>
+              <a:t>2024/3/22</a:t>
             </a:fld>
             <a:endParaRPr lang="zh-CN" altLang="en-US"/>
           </a:p>
@@ -1804,7 +1804,7 @@
           <a:p>
             <a:fld id="{E05F1550-273F-4C78-8324-1DB8623B4730}" type="datetimeFigureOut">
               <a:rPr lang="zh-CN" altLang="en-US" smtClean="0"/>
-              <a:t>2024/3/15</a:t>
+              <a:t>2024/3/22</a:t>
             </a:fld>
             <a:endParaRPr lang="zh-CN" altLang="en-US"/>
           </a:p>
@@ -1984,7 +1984,7 @@
           <a:p>
             <a:fld id="{E05F1550-273F-4C78-8324-1DB8623B4730}" type="datetimeFigureOut">
               <a:rPr lang="zh-CN" altLang="en-US" smtClean="0"/>
-              <a:t>2024/3/15</a:t>
+              <a:t>2024/3/22</a:t>
             </a:fld>
             <a:endParaRPr lang="zh-CN" altLang="en-US"/>
           </a:p>
@@ -2154,7 +2154,7 @@
           <a:p>
             <a:fld id="{E05F1550-273F-4C78-8324-1DB8623B4730}" type="datetimeFigureOut">
               <a:rPr lang="zh-CN" altLang="en-US" smtClean="0"/>
-              <a:t>2024/3/15</a:t>
+              <a:t>2024/3/22</a:t>
             </a:fld>
             <a:endParaRPr lang="zh-CN" altLang="en-US"/>
           </a:p>
@@ -2400,7 +2400,7 @@
           <a:p>
             <a:fld id="{E05F1550-273F-4C78-8324-1DB8623B4730}" type="datetimeFigureOut">
               <a:rPr lang="zh-CN" altLang="en-US" smtClean="0"/>
-              <a:t>2024/3/15</a:t>
+              <a:t>2024/3/22</a:t>
             </a:fld>
             <a:endParaRPr lang="zh-CN" altLang="en-US"/>
           </a:p>
@@ -2632,7 +2632,7 @@
           <a:p>
             <a:fld id="{E05F1550-273F-4C78-8324-1DB8623B4730}" type="datetimeFigureOut">
               <a:rPr lang="zh-CN" altLang="en-US" smtClean="0"/>
-              <a:t>2024/3/15</a:t>
+              <a:t>2024/3/22</a:t>
             </a:fld>
             <a:endParaRPr lang="zh-CN" altLang="en-US"/>
           </a:p>
@@ -2999,7 +2999,7 @@
           <a:p>
             <a:fld id="{E05F1550-273F-4C78-8324-1DB8623B4730}" type="datetimeFigureOut">
               <a:rPr lang="zh-CN" altLang="en-US" smtClean="0"/>
-              <a:t>2024/3/15</a:t>
+              <a:t>2024/3/22</a:t>
             </a:fld>
             <a:endParaRPr lang="zh-CN" altLang="en-US"/>
           </a:p>
@@ -3117,7 +3117,7 @@
           <a:p>
             <a:fld id="{E05F1550-273F-4C78-8324-1DB8623B4730}" type="datetimeFigureOut">
               <a:rPr lang="zh-CN" altLang="en-US" smtClean="0"/>
-              <a:t>2024/3/15</a:t>
+              <a:t>2024/3/22</a:t>
             </a:fld>
             <a:endParaRPr lang="zh-CN" altLang="en-US"/>
           </a:p>
@@ -3212,7 +3212,7 @@
           <a:p>
             <a:fld id="{E05F1550-273F-4C78-8324-1DB8623B4730}" type="datetimeFigureOut">
               <a:rPr lang="zh-CN" altLang="en-US" smtClean="0"/>
-              <a:t>2024/3/15</a:t>
+              <a:t>2024/3/22</a:t>
             </a:fld>
             <a:endParaRPr lang="zh-CN" altLang="en-US"/>
           </a:p>
@@ -3489,7 +3489,7 @@
           <a:p>
             <a:fld id="{E05F1550-273F-4C78-8324-1DB8623B4730}" type="datetimeFigureOut">
               <a:rPr lang="zh-CN" altLang="en-US" smtClean="0"/>
-              <a:t>2024/3/15</a:t>
+              <a:t>2024/3/22</a:t>
             </a:fld>
             <a:endParaRPr lang="zh-CN" altLang="en-US"/>
           </a:p>
@@ -3746,7 +3746,7 @@
           <a:p>
             <a:fld id="{E05F1550-273F-4C78-8324-1DB8623B4730}" type="datetimeFigureOut">
               <a:rPr lang="zh-CN" altLang="en-US" smtClean="0"/>
-              <a:t>2024/3/15</a:t>
+              <a:t>2024/3/22</a:t>
             </a:fld>
             <a:endParaRPr lang="zh-CN" altLang="en-US"/>
           </a:p>
@@ -3959,7 +3959,7 @@
           <a:p>
             <a:fld id="{E05F1550-273F-4C78-8324-1DB8623B4730}" type="datetimeFigureOut">
               <a:rPr lang="zh-CN" altLang="en-US" smtClean="0"/>
-              <a:t>2024/3/15</a:t>
+              <a:t>2024/3/22</a:t>
             </a:fld>
             <a:endParaRPr lang="zh-CN" altLang="en-US"/>
           </a:p>
@@ -11763,7 +11763,7 @@
           <p:nvPr>
             <p:extLst>
               <p:ext uri="{D42A27DB-BD31-4B8C-83A1-F6EECF244321}">
-                <p14:modId xmlns:p14="http://schemas.microsoft.com/office/powerpoint/2010/main" val="2085405240"/>
+                <p14:modId xmlns:p14="http://schemas.microsoft.com/office/powerpoint/2010/main" val="2207181624"/>
               </p:ext>
             </p:extLst>
           </p:nvPr>
@@ -11811,6 +11811,8 @@
                       <a:r>
                         <a:rPr lang="zh-CN" altLang="en-US" sz="1100" b="1" u="none" strike="noStrike">
                           <a:effectLst/>
+                          <a:latin typeface="+mn-ea"/>
+                          <a:ea typeface="+mn-ea"/>
                         </a:rPr>
                         <a:t>方法类别</a:t>
                       </a:r>
@@ -11819,8 +11821,8 @@
                           <a:srgbClr val="000000"/>
                         </a:solidFill>
                         <a:effectLst/>
-                        <a:latin typeface="等线" panose="02010600030101010101" pitchFamily="2" charset="-122"/>
-                        <a:ea typeface="等线" panose="02010600030101010101" pitchFamily="2" charset="-122"/>
+                        <a:latin typeface="+mn-ea"/>
+                        <a:ea typeface="+mn-ea"/>
                       </a:endParaRPr>
                     </a:p>
                   </a:txBody>
@@ -11854,12 +11856,16 @@
                       <a:r>
                         <a:rPr lang="en-US" sz="1100" b="1" u="none" strike="noStrike" dirty="0" err="1">
                           <a:effectLst/>
+                          <a:latin typeface="+mn-ea"/>
+                          <a:ea typeface="+mn-ea"/>
                         </a:rPr>
                         <a:t>mAP</a:t>
                       </a:r>
                       <a:r>
                         <a:rPr lang="en-US" sz="1100" b="1" u="none" strike="noStrike" dirty="0">
                           <a:effectLst/>
+                          <a:latin typeface="+mn-ea"/>
+                          <a:ea typeface="+mn-ea"/>
                         </a:rPr>
                         <a:t>/%</a:t>
                       </a:r>
@@ -11868,8 +11874,8 @@
                           <a:srgbClr val="000000"/>
                         </a:solidFill>
                         <a:effectLst/>
-                        <a:latin typeface="等线" panose="02010600030101010101" pitchFamily="2" charset="-122"/>
-                        <a:ea typeface="等线" panose="02010600030101010101" pitchFamily="2" charset="-122"/>
+                        <a:latin typeface="+mn-ea"/>
+                        <a:ea typeface="+mn-ea"/>
                       </a:endParaRPr>
                     </a:p>
                   </a:txBody>
@@ -11903,6 +11909,8 @@
                       <a:r>
                         <a:rPr lang="en-US" sz="1100" b="1" u="none" strike="noStrike" dirty="0">
                           <a:effectLst/>
+                          <a:latin typeface="+mn-ea"/>
+                          <a:ea typeface="+mn-ea"/>
                         </a:rPr>
                         <a:t>FPS</a:t>
                       </a:r>
@@ -11911,8 +11919,8 @@
                           <a:srgbClr val="000000"/>
                         </a:solidFill>
                         <a:effectLst/>
-                        <a:latin typeface="等线" panose="02010600030101010101" pitchFamily="2" charset="-122"/>
-                        <a:ea typeface="等线" panose="02010600030101010101" pitchFamily="2" charset="-122"/>
+                        <a:latin typeface="+mn-ea"/>
+                        <a:ea typeface="+mn-ea"/>
                       </a:endParaRPr>
                     </a:p>
                   </a:txBody>
@@ -11953,12 +11961,16 @@
                       <a:r>
                         <a:rPr lang="en-US" sz="1100" b="1" u="none" strike="noStrike" dirty="0">
                           <a:effectLst/>
+                          <a:latin typeface="+mn-ea"/>
+                          <a:ea typeface="+mn-ea"/>
                         </a:rPr>
                         <a:t>YOLOv4</a:t>
                       </a:r>
                       <a:r>
                         <a:rPr lang="zh-CN" altLang="en-US" sz="1100" b="1" u="none" strike="noStrike" dirty="0">
                           <a:effectLst/>
+                          <a:latin typeface="+mn-ea"/>
+                          <a:ea typeface="+mn-ea"/>
                         </a:rPr>
                         <a:t>改进模型</a:t>
                       </a:r>
@@ -11967,8 +11979,8 @@
                           <a:srgbClr val="000000"/>
                         </a:solidFill>
                         <a:effectLst/>
-                        <a:latin typeface="等线" panose="02010600030101010101" pitchFamily="2" charset="-122"/>
-                        <a:ea typeface="等线" panose="02010600030101010101" pitchFamily="2" charset="-122"/>
+                        <a:latin typeface="+mn-ea"/>
+                        <a:ea typeface="+mn-ea"/>
                       </a:endParaRPr>
                     </a:p>
                   </a:txBody>
@@ -11993,6 +12005,8 @@
                       <a:r>
                         <a:rPr lang="en-US" altLang="zh-CN" sz="1100" b="1" u="none" strike="noStrike" dirty="0">
                           <a:effectLst/>
+                          <a:latin typeface="+mn-ea"/>
+                          <a:ea typeface="+mn-ea"/>
                         </a:rPr>
                         <a:t>92.1</a:t>
                       </a:r>
@@ -12001,8 +12015,8 @@
                           <a:srgbClr val="000000"/>
                         </a:solidFill>
                         <a:effectLst/>
-                        <a:latin typeface="等线" panose="02010600030101010101" pitchFamily="2" charset="-122"/>
-                        <a:ea typeface="等线" panose="02010600030101010101" pitchFamily="2" charset="-122"/>
+                        <a:latin typeface="+mn-ea"/>
+                        <a:ea typeface="+mn-ea"/>
                       </a:endParaRPr>
                     </a:p>
                   </a:txBody>
@@ -12027,6 +12041,8 @@
                       <a:r>
                         <a:rPr lang="en-US" altLang="zh-CN" sz="1100" b="1" u="none" strike="noStrike" dirty="0">
                           <a:effectLst/>
+                          <a:latin typeface="+mn-ea"/>
+                          <a:ea typeface="+mn-ea"/>
                         </a:rPr>
                         <a:t>39</a:t>
                       </a:r>
@@ -12035,8 +12051,8 @@
                           <a:srgbClr val="000000"/>
                         </a:solidFill>
                         <a:effectLst/>
-                        <a:latin typeface="等线" panose="02010600030101010101" pitchFamily="2" charset="-122"/>
-                        <a:ea typeface="等线" panose="02010600030101010101" pitchFamily="2" charset="-122"/>
+                        <a:latin typeface="+mn-ea"/>
+                        <a:ea typeface="+mn-ea"/>
                       </a:endParaRPr>
                     </a:p>
                   </a:txBody>
@@ -12068,12 +12084,16 @@
                       <a:r>
                         <a:rPr lang="en-US" altLang="zh-CN" sz="1100" b="1" u="none" strike="noStrike" dirty="0">
                           <a:effectLst/>
+                          <a:latin typeface="+mn-ea"/>
+                          <a:ea typeface="+mn-ea"/>
                         </a:rPr>
                         <a:t>YOLOv4</a:t>
                       </a:r>
                       <a:r>
                         <a:rPr lang="zh-CN" altLang="en-US" sz="1100" b="1" u="none" strike="noStrike" dirty="0">
                           <a:effectLst/>
+                          <a:latin typeface="+mn-ea"/>
+                          <a:ea typeface="+mn-ea"/>
                         </a:rPr>
                         <a:t>轻量化改进模型</a:t>
                       </a:r>
@@ -12082,8 +12102,8 @@
                           <a:srgbClr val="000000"/>
                         </a:solidFill>
                         <a:effectLst/>
-                        <a:latin typeface="等线" panose="02010600030101010101" pitchFamily="2" charset="-122"/>
-                        <a:ea typeface="等线" panose="02010600030101010101" pitchFamily="2" charset="-122"/>
+                        <a:latin typeface="+mn-ea"/>
+                        <a:ea typeface="+mn-ea"/>
                       </a:endParaRPr>
                     </a:p>
                   </a:txBody>
@@ -12098,6 +12118,8 @@
                       <a:r>
                         <a:rPr lang="en-US" altLang="zh-CN" sz="1100" b="1" u="none" strike="noStrike" dirty="0">
                           <a:effectLst/>
+                          <a:latin typeface="+mn-ea"/>
+                          <a:ea typeface="+mn-ea"/>
                         </a:rPr>
                         <a:t>96.67</a:t>
                       </a:r>
@@ -12106,8 +12128,8 @@
                           <a:srgbClr val="000000"/>
                         </a:solidFill>
                         <a:effectLst/>
-                        <a:latin typeface="等线" panose="02010600030101010101" pitchFamily="2" charset="-122"/>
-                        <a:ea typeface="等线" panose="02010600030101010101" pitchFamily="2" charset="-122"/>
+                        <a:latin typeface="+mn-ea"/>
+                        <a:ea typeface="+mn-ea"/>
                       </a:endParaRPr>
                     </a:p>
                   </a:txBody>
@@ -12122,6 +12144,8 @@
                       <a:r>
                         <a:rPr lang="en-US" altLang="zh-CN" sz="1100" b="1" u="none" strike="noStrike" dirty="0">
                           <a:effectLst/>
+                          <a:latin typeface="+mn-ea"/>
+                          <a:ea typeface="+mn-ea"/>
                         </a:rPr>
                         <a:t>19</a:t>
                       </a:r>
@@ -12130,8 +12154,8 @@
                           <a:srgbClr val="000000"/>
                         </a:solidFill>
                         <a:effectLst/>
-                        <a:latin typeface="等线" panose="02010600030101010101" pitchFamily="2" charset="-122"/>
-                        <a:ea typeface="等线" panose="02010600030101010101" pitchFamily="2" charset="-122"/>
+                        <a:latin typeface="+mn-ea"/>
+                        <a:ea typeface="+mn-ea"/>
                       </a:endParaRPr>
                     </a:p>
                   </a:txBody>
@@ -12153,12 +12177,16 @@
                       <a:r>
                         <a:rPr lang="en-US" sz="1100" b="1" u="none" strike="noStrike">
                           <a:effectLst/>
+                          <a:latin typeface="+mn-ea"/>
+                          <a:ea typeface="+mn-ea"/>
                         </a:rPr>
                         <a:t>YOLOv4-tiny</a:t>
                       </a:r>
                       <a:r>
                         <a:rPr lang="zh-CN" altLang="en-US" sz="1100" b="1" u="none" strike="noStrike">
                           <a:effectLst/>
+                          <a:latin typeface="+mn-ea"/>
+                          <a:ea typeface="+mn-ea"/>
                         </a:rPr>
                         <a:t>轻量化改进模型</a:t>
                       </a:r>
@@ -12167,8 +12195,8 @@
                           <a:srgbClr val="000000"/>
                         </a:solidFill>
                         <a:effectLst/>
-                        <a:latin typeface="等线" panose="02010600030101010101" pitchFamily="2" charset="-122"/>
-                        <a:ea typeface="等线" panose="02010600030101010101" pitchFamily="2" charset="-122"/>
+                        <a:latin typeface="+mn-ea"/>
+                        <a:ea typeface="+mn-ea"/>
                       </a:endParaRPr>
                     </a:p>
                   </a:txBody>
@@ -12183,6 +12211,8 @@
                       <a:r>
                         <a:rPr lang="en-US" altLang="zh-CN" sz="1100" b="1" u="none" strike="noStrike">
                           <a:effectLst/>
+                          <a:latin typeface="+mn-ea"/>
+                          <a:ea typeface="+mn-ea"/>
                         </a:rPr>
                         <a:t>90.2</a:t>
                       </a:r>
@@ -12191,8 +12221,8 @@
                           <a:srgbClr val="000000"/>
                         </a:solidFill>
                         <a:effectLst/>
-                        <a:latin typeface="等线" panose="02010600030101010101" pitchFamily="2" charset="-122"/>
-                        <a:ea typeface="等线" panose="02010600030101010101" pitchFamily="2" charset="-122"/>
+                        <a:latin typeface="+mn-ea"/>
+                        <a:ea typeface="+mn-ea"/>
                       </a:endParaRPr>
                     </a:p>
                   </a:txBody>
@@ -12207,6 +12237,8 @@
                       <a:r>
                         <a:rPr lang="en-US" altLang="zh-CN" sz="1100" b="1" u="none" strike="noStrike">
                           <a:effectLst/>
+                          <a:latin typeface="+mn-ea"/>
+                          <a:ea typeface="+mn-ea"/>
                         </a:rPr>
                         <a:t>76.8</a:t>
                       </a:r>
@@ -12215,8 +12247,8 @@
                           <a:srgbClr val="000000"/>
                         </a:solidFill>
                         <a:effectLst/>
-                        <a:latin typeface="等线" panose="02010600030101010101" pitchFamily="2" charset="-122"/>
-                        <a:ea typeface="等线" panose="02010600030101010101" pitchFamily="2" charset="-122"/>
+                        <a:latin typeface="+mn-ea"/>
+                        <a:ea typeface="+mn-ea"/>
                       </a:endParaRPr>
                     </a:p>
                   </a:txBody>
@@ -12238,12 +12270,16 @@
                       <a:r>
                         <a:rPr lang="en-US" sz="1100" b="1" u="none" strike="noStrike">
                           <a:effectLst/>
+                          <a:latin typeface="+mn-ea"/>
+                          <a:ea typeface="+mn-ea"/>
                         </a:rPr>
                         <a:t>YOLOv5</a:t>
                       </a:r>
                       <a:r>
                         <a:rPr lang="zh-CN" altLang="en-US" sz="1100" b="1" u="none" strike="noStrike">
                           <a:effectLst/>
+                          <a:latin typeface="+mn-ea"/>
+                          <a:ea typeface="+mn-ea"/>
                         </a:rPr>
                         <a:t>轻量化</a:t>
                       </a:r>
@@ -12252,8 +12288,8 @@
                           <a:srgbClr val="000000"/>
                         </a:solidFill>
                         <a:effectLst/>
-                        <a:latin typeface="等线" panose="02010600030101010101" pitchFamily="2" charset="-122"/>
-                        <a:ea typeface="等线" panose="02010600030101010101" pitchFamily="2" charset="-122"/>
+                        <a:latin typeface="+mn-ea"/>
+                        <a:ea typeface="+mn-ea"/>
                       </a:endParaRPr>
                     </a:p>
                   </a:txBody>
@@ -12268,6 +12304,8 @@
                       <a:r>
                         <a:rPr lang="en-US" altLang="zh-CN" sz="1100" b="1" u="none" strike="noStrike" dirty="0">
                           <a:effectLst/>
+                          <a:latin typeface="+mn-ea"/>
+                          <a:ea typeface="+mn-ea"/>
                         </a:rPr>
                         <a:t>95.2</a:t>
                       </a:r>
@@ -12276,8 +12314,8 @@
                           <a:srgbClr val="000000"/>
                         </a:solidFill>
                         <a:effectLst/>
-                        <a:latin typeface="等线" panose="02010600030101010101" pitchFamily="2" charset="-122"/>
-                        <a:ea typeface="等线" panose="02010600030101010101" pitchFamily="2" charset="-122"/>
+                        <a:latin typeface="+mn-ea"/>
+                        <a:ea typeface="+mn-ea"/>
                       </a:endParaRPr>
                     </a:p>
                   </a:txBody>
@@ -12292,6 +12330,8 @@
                       <a:r>
                         <a:rPr lang="en-US" altLang="zh-CN" sz="1100" b="1" u="none" strike="noStrike" dirty="0">
                           <a:effectLst/>
+                          <a:latin typeface="+mn-ea"/>
+                          <a:ea typeface="+mn-ea"/>
                         </a:rPr>
                         <a:t>——</a:t>
                       </a:r>
@@ -12300,8 +12340,8 @@
                           <a:srgbClr val="000000"/>
                         </a:solidFill>
                         <a:effectLst/>
-                        <a:latin typeface="等线" panose="02010600030101010101" pitchFamily="2" charset="-122"/>
-                        <a:ea typeface="等线" panose="02010600030101010101" pitchFamily="2" charset="-122"/>
+                        <a:latin typeface="+mn-ea"/>
+                        <a:ea typeface="+mn-ea"/>
                       </a:endParaRPr>
                     </a:p>
                   </a:txBody>
@@ -12323,12 +12363,16 @@
                       <a:r>
                         <a:rPr lang="en-US" sz="1100" b="1" u="none" strike="noStrike" dirty="0">
                           <a:effectLst/>
+                          <a:latin typeface="+mn-ea"/>
+                          <a:ea typeface="+mn-ea"/>
                         </a:rPr>
                         <a:t>YOLOv5</a:t>
                       </a:r>
                       <a:r>
                         <a:rPr lang="zh-CN" altLang="en-US" sz="1100" b="1" u="none" strike="noStrike" dirty="0">
                           <a:effectLst/>
+                          <a:latin typeface="+mn-ea"/>
+                          <a:ea typeface="+mn-ea"/>
                         </a:rPr>
                         <a:t>改进模型</a:t>
                       </a:r>
@@ -12337,8 +12381,8 @@
                           <a:srgbClr val="000000"/>
                         </a:solidFill>
                         <a:effectLst/>
-                        <a:latin typeface="等线" panose="02010600030101010101" pitchFamily="2" charset="-122"/>
-                        <a:ea typeface="等线" panose="02010600030101010101" pitchFamily="2" charset="-122"/>
+                        <a:latin typeface="+mn-ea"/>
+                        <a:ea typeface="+mn-ea"/>
                       </a:endParaRPr>
                     </a:p>
                   </a:txBody>
@@ -12356,8 +12400,8 @@
                             <a:srgbClr val="000000"/>
                           </a:solidFill>
                           <a:effectLst/>
-                          <a:latin typeface="等线" panose="02010600030101010101" pitchFamily="2" charset="-122"/>
-                          <a:ea typeface="等线" panose="02010600030101010101" pitchFamily="2" charset="-122"/>
+                          <a:latin typeface="+mn-ea"/>
+                          <a:ea typeface="+mn-ea"/>
                         </a:rPr>
                         <a:t>94.45</a:t>
                       </a:r>
@@ -12374,6 +12418,8 @@
                       <a:r>
                         <a:rPr lang="en-US" altLang="zh-CN" sz="1100" b="1" u="none" strike="noStrike" dirty="0">
                           <a:effectLst/>
+                          <a:latin typeface="+mn-ea"/>
+                          <a:ea typeface="+mn-ea"/>
                         </a:rPr>
                         <a:t>140</a:t>
                       </a:r>
@@ -12382,8 +12428,8 @@
                           <a:srgbClr val="000000"/>
                         </a:solidFill>
                         <a:effectLst/>
-                        <a:latin typeface="等线" panose="02010600030101010101" pitchFamily="2" charset="-122"/>
-                        <a:ea typeface="等线" panose="02010600030101010101" pitchFamily="2" charset="-122"/>
+                        <a:latin typeface="+mn-ea"/>
+                        <a:ea typeface="+mn-ea"/>
                       </a:endParaRPr>
                     </a:p>
                   </a:txBody>
@@ -12405,12 +12451,16 @@
                       <a:r>
                         <a:rPr lang="en-US" sz="1100" b="1" u="none" strike="noStrike" dirty="0">
                           <a:effectLst/>
+                          <a:latin typeface="+mn-ea"/>
+                          <a:ea typeface="+mn-ea"/>
                         </a:rPr>
                         <a:t>SSD</a:t>
                       </a:r>
                       <a:r>
                         <a:rPr lang="zh-CN" altLang="en-US" sz="1100" b="1" u="none" strike="noStrike" dirty="0">
                           <a:effectLst/>
+                          <a:latin typeface="+mn-ea"/>
+                          <a:ea typeface="+mn-ea"/>
                         </a:rPr>
                         <a:t>改进模型</a:t>
                       </a:r>
@@ -12419,8 +12469,8 @@
                           <a:srgbClr val="000000"/>
                         </a:solidFill>
                         <a:effectLst/>
-                        <a:latin typeface="等线" panose="02010600030101010101" pitchFamily="2" charset="-122"/>
-                        <a:ea typeface="等线" panose="02010600030101010101" pitchFamily="2" charset="-122"/>
+                        <a:latin typeface="+mn-ea"/>
+                        <a:ea typeface="+mn-ea"/>
                       </a:endParaRPr>
                     </a:p>
                   </a:txBody>
@@ -12435,6 +12485,8 @@
                       <a:r>
                         <a:rPr lang="en-US" altLang="zh-CN" sz="1100" b="1" u="none" strike="noStrike" dirty="0">
                           <a:effectLst/>
+                          <a:latin typeface="+mn-ea"/>
+                          <a:ea typeface="+mn-ea"/>
                         </a:rPr>
                         <a:t>96.72</a:t>
                       </a:r>
@@ -12443,8 +12495,8 @@
                           <a:srgbClr val="000000"/>
                         </a:solidFill>
                         <a:effectLst/>
-                        <a:latin typeface="等线" panose="02010600030101010101" pitchFamily="2" charset="-122"/>
-                        <a:ea typeface="等线" panose="02010600030101010101" pitchFamily="2" charset="-122"/>
+                        <a:latin typeface="+mn-ea"/>
+                        <a:ea typeface="+mn-ea"/>
                       </a:endParaRPr>
                     </a:p>
                   </a:txBody>
@@ -12459,6 +12511,8 @@
                       <a:r>
                         <a:rPr lang="en-US" altLang="zh-CN" sz="1100" b="1" u="none" strike="noStrike" dirty="0">
                           <a:effectLst/>
+                          <a:latin typeface="+mn-ea"/>
+                          <a:ea typeface="+mn-ea"/>
                         </a:rPr>
                         <a:t>28.9</a:t>
                       </a:r>
@@ -12467,8 +12521,8 @@
                           <a:srgbClr val="000000"/>
                         </a:solidFill>
                         <a:effectLst/>
-                        <a:latin typeface="等线" panose="02010600030101010101" pitchFamily="2" charset="-122"/>
-                        <a:ea typeface="等线" panose="02010600030101010101" pitchFamily="2" charset="-122"/>
+                        <a:latin typeface="+mn-ea"/>
+                        <a:ea typeface="+mn-ea"/>
                       </a:endParaRPr>
                     </a:p>
                   </a:txBody>
@@ -12490,12 +12544,16 @@
                       <a:r>
                         <a:rPr lang="en-US" sz="1100" b="1" u="none" strike="noStrike">
                           <a:effectLst/>
+                          <a:latin typeface="+mn-ea"/>
+                          <a:ea typeface="+mn-ea"/>
                         </a:rPr>
                         <a:t>RetinaNet</a:t>
                       </a:r>
                       <a:r>
                         <a:rPr lang="zh-CN" altLang="en-US" sz="1100" b="1" u="none" strike="noStrike">
                           <a:effectLst/>
+                          <a:latin typeface="+mn-ea"/>
+                          <a:ea typeface="+mn-ea"/>
                         </a:rPr>
                         <a:t>改进模型</a:t>
                       </a:r>
@@ -12504,8 +12562,8 @@
                           <a:srgbClr val="000000"/>
                         </a:solidFill>
                         <a:effectLst/>
-                        <a:latin typeface="等线" panose="02010600030101010101" pitchFamily="2" charset="-122"/>
-                        <a:ea typeface="等线" panose="02010600030101010101" pitchFamily="2" charset="-122"/>
+                        <a:latin typeface="+mn-ea"/>
+                        <a:ea typeface="+mn-ea"/>
                       </a:endParaRPr>
                     </a:p>
                   </a:txBody>
@@ -12530,6 +12588,8 @@
                       <a:r>
                         <a:rPr lang="en-US" altLang="zh-CN" sz="1100" b="1" u="none" strike="noStrike">
                           <a:effectLst/>
+                          <a:latin typeface="+mn-ea"/>
+                          <a:ea typeface="+mn-ea"/>
                         </a:rPr>
                         <a:t>87.7</a:t>
                       </a:r>
@@ -12538,8 +12598,8 @@
                           <a:srgbClr val="000000"/>
                         </a:solidFill>
                         <a:effectLst/>
-                        <a:latin typeface="等线" panose="02010600030101010101" pitchFamily="2" charset="-122"/>
-                        <a:ea typeface="等线" panose="02010600030101010101" pitchFamily="2" charset="-122"/>
+                        <a:latin typeface="+mn-ea"/>
+                        <a:ea typeface="+mn-ea"/>
                       </a:endParaRPr>
                     </a:p>
                   </a:txBody>
@@ -12580,6 +12640,8 @@
                       <a:r>
                         <a:rPr lang="en-US" altLang="zh-CN" sz="1100" b="1" u="none" strike="noStrike" dirty="0">
                           <a:effectLst/>
+                          <a:latin typeface="+mn-ea"/>
+                          <a:ea typeface="+mn-ea"/>
                         </a:rPr>
                         <a:t>——</a:t>
                       </a:r>
@@ -12588,7 +12650,7 @@
                           <a:srgbClr val="000000"/>
                         </a:solidFill>
                         <a:effectLst/>
-                        <a:latin typeface="等线" panose="02010600030101010101" pitchFamily="2" charset="-122"/>
+                        <a:latin typeface="+mn-ea"/>
                         <a:ea typeface="+mn-ea"/>
                       </a:endParaRPr>
                     </a:p>
